--- a/HarvestSwap_final/HarvestSwap_Slides.pptx
+++ b/HarvestSwap_final/HarvestSwap_Slides.pptx
@@ -14758,7 +14758,7 @@
           </a:bodyPr>
           <a:lstStyle/>
           <a:p>
-            <a:pPr indent="-381000" lvl="0" marL="457200" rtl="0" algn="l">
+            <a:pPr indent="-342900" lvl="0" marL="457200" rtl="0" algn="l">
               <a:lnSpc>
                 <a:spcPct val="115000"/>
               </a:lnSpc>
@@ -14771,26 +14771,26 @@
               <a:buClr>
                 <a:schemeClr val="dk1"/>
               </a:buClr>
-              <a:buSzPts val="2400"/>
+              <a:buSzPts val="1800"/>
               <a:buFont typeface="Calibri"/>
               <a:buChar char="•"/>
             </a:pPr>
             <a:r>
-              <a:rPr lang="en-US" sz="2400">
+              <a:rPr lang="en-US" sz="1800">
                 <a:solidFill>
                   <a:schemeClr val="dk1"/>
                 </a:solidFill>
               </a:rPr>
               <a:t>Ability to edit/delete harvester profile and harvest details.</a:t>
             </a:r>
-            <a:endParaRPr sz="2400">
+            <a:endParaRPr sz="1800">
               <a:solidFill>
                 <a:schemeClr val="dk1"/>
               </a:solidFill>
             </a:endParaRPr>
           </a:p>
           <a:p>
-            <a:pPr indent="-381000" lvl="0" marL="457200" rtl="0" algn="l">
+            <a:pPr indent="-342900" lvl="0" marL="457200" rtl="0" algn="l">
               <a:lnSpc>
                 <a:spcPct val="115000"/>
               </a:lnSpc>
@@ -14803,26 +14803,26 @@
               <a:buClr>
                 <a:schemeClr val="dk1"/>
               </a:buClr>
-              <a:buSzPts val="2400"/>
+              <a:buSzPts val="1800"/>
               <a:buFont typeface="Calibri"/>
               <a:buChar char="•"/>
             </a:pPr>
             <a:r>
-              <a:rPr lang="en-US" sz="2400">
+              <a:rPr lang="en-US" sz="1800">
                 <a:solidFill>
                   <a:schemeClr val="dk1"/>
                 </a:solidFill>
               </a:rPr>
               <a:t>Using maps to identify harvester location.</a:t>
             </a:r>
-            <a:endParaRPr sz="2400">
+            <a:endParaRPr sz="1800">
               <a:solidFill>
                 <a:schemeClr val="dk1"/>
               </a:solidFill>
             </a:endParaRPr>
           </a:p>
           <a:p>
-            <a:pPr indent="-381000" lvl="0" marL="457200" rtl="0" algn="l">
+            <a:pPr indent="-342900" lvl="0" marL="457200" rtl="0" algn="l">
               <a:lnSpc>
                 <a:spcPct val="115000"/>
               </a:lnSpc>
@@ -14835,26 +14835,26 @@
               <a:buClr>
                 <a:schemeClr val="dk1"/>
               </a:buClr>
-              <a:buSzPts val="2400"/>
+              <a:buSzPts val="1800"/>
               <a:buFont typeface="Calibri"/>
               <a:buChar char="•"/>
             </a:pPr>
             <a:r>
-              <a:rPr lang="en-US" sz="2400">
+              <a:rPr lang="en-US" sz="1800">
                 <a:solidFill>
                   <a:schemeClr val="dk1"/>
                 </a:solidFill>
               </a:rPr>
               <a:t>Uploading images directly for harvester profile/harvest</a:t>
             </a:r>
-            <a:endParaRPr sz="2400">
+            <a:endParaRPr sz="1800">
               <a:solidFill>
                 <a:schemeClr val="dk1"/>
               </a:solidFill>
             </a:endParaRPr>
           </a:p>
           <a:p>
-            <a:pPr indent="-381000" lvl="0" marL="457200" rtl="0" algn="l">
+            <a:pPr indent="-342900" lvl="0" marL="457200" rtl="0" algn="l">
               <a:lnSpc>
                 <a:spcPct val="115000"/>
               </a:lnSpc>
@@ -14867,26 +14867,42 @@
               <a:buClr>
                 <a:schemeClr val="dk1"/>
               </a:buClr>
-              <a:buSzPts val="2400"/>
+              <a:buSzPts val="1800"/>
               <a:buFont typeface="Calibri"/>
               <a:buChar char="•"/>
             </a:pPr>
             <a:r>
-              <a:rPr lang="en-US" sz="2400">
+              <a:rPr lang="en-US" sz="1800">
                 <a:solidFill>
                   <a:schemeClr val="dk1"/>
                 </a:solidFill>
               </a:rPr>
-              <a:t>Blog feature</a:t>
+              <a:t>Blog feature about </a:t>
             </a:r>
-            <a:endParaRPr sz="2400">
+            <a:r>
+              <a:rPr lang="en-US" sz="1800">
+                <a:solidFill>
+                  <a:schemeClr val="dk1"/>
+                </a:solidFill>
+              </a:rPr>
+              <a:t>gardening</a:t>
+            </a:r>
+            <a:r>
+              <a:rPr lang="en-US" sz="1800">
+                <a:solidFill>
+                  <a:schemeClr val="dk1"/>
+                </a:solidFill>
+              </a:rPr>
+              <a:t> related information</a:t>
+            </a:r>
+            <a:endParaRPr sz="1800">
               <a:solidFill>
                 <a:schemeClr val="dk1"/>
               </a:solidFill>
             </a:endParaRPr>
           </a:p>
           <a:p>
-            <a:pPr indent="-381000" lvl="0" marL="457200" rtl="0" algn="l">
+            <a:pPr indent="-342900" lvl="0" marL="457200" marR="0" rtl="0" algn="l">
               <a:lnSpc>
                 <a:spcPct val="115000"/>
               </a:lnSpc>
@@ -14899,12 +14915,76 @@
               <a:buClr>
                 <a:schemeClr val="dk1"/>
               </a:buClr>
-              <a:buSzPts val="2400"/>
+              <a:buSzPts val="1800"/>
               <a:buFont typeface="Calibri"/>
               <a:buChar char="•"/>
             </a:pPr>
             <a:r>
-              <a:rPr lang="en-US" sz="2400">
+              <a:rPr lang="en-US" sz="1800">
+                <a:solidFill>
+                  <a:schemeClr val="dk1"/>
+                </a:solidFill>
+              </a:rPr>
+              <a:t>Recommendation for harvests that one might be interested to see in the future</a:t>
+            </a:r>
+            <a:endParaRPr sz="1800">
+              <a:solidFill>
+                <a:schemeClr val="dk1"/>
+              </a:solidFill>
+            </a:endParaRPr>
+          </a:p>
+          <a:p>
+            <a:pPr indent="-342900" lvl="0" marL="457200" rtl="0" algn="l">
+              <a:lnSpc>
+                <a:spcPct val="115000"/>
+              </a:lnSpc>
+              <a:spcBef>
+                <a:spcPts val="0"/>
+              </a:spcBef>
+              <a:spcAft>
+                <a:spcPts val="0"/>
+              </a:spcAft>
+              <a:buClr>
+                <a:schemeClr val="dk1"/>
+              </a:buClr>
+              <a:buSzPts val="1800"/>
+              <a:buFont typeface="Calibri"/>
+              <a:buChar char="•"/>
+            </a:pPr>
+            <a:r>
+              <a:rPr lang="en-US" sz="1800">
+                <a:solidFill>
+                  <a:schemeClr val="dk1"/>
+                </a:solidFill>
+              </a:rPr>
+              <a:t>Option to add review for a harvester/harvest</a:t>
+            </a:r>
+            <a:endParaRPr sz="1800">
+              <a:solidFill>
+                <a:schemeClr val="dk1"/>
+              </a:solidFill>
+            </a:endParaRPr>
+          </a:p>
+          <a:p>
+            <a:pPr indent="-342900" lvl="0" marL="457200" rtl="0" algn="l">
+              <a:lnSpc>
+                <a:spcPct val="115000"/>
+              </a:lnSpc>
+              <a:spcBef>
+                <a:spcPts val="0"/>
+              </a:spcBef>
+              <a:spcAft>
+                <a:spcPts val="0"/>
+              </a:spcAft>
+              <a:buClr>
+                <a:schemeClr val="dk1"/>
+              </a:buClr>
+              <a:buSzPts val="1800"/>
+              <a:buFont typeface="Calibri"/>
+              <a:buChar char="•"/>
+            </a:pPr>
+            <a:r>
+              <a:rPr lang="en-US" sz="1800">
                 <a:solidFill>
                   <a:schemeClr val="dk1"/>
                 </a:solidFill>
@@ -14912,7 +14992,7 @@
               <a:t>Enhancement on harvester communication by implementing an internal module to contact harvester within the application.</a:t>
             </a:r>
             <a:r>
-              <a:rPr lang="en-US" sz="2400">
+              <a:rPr lang="en-US" sz="1800">
                 <a:solidFill>
                   <a:schemeClr val="dk1"/>
                 </a:solidFill>
@@ -14923,7 +15003,7 @@
               </a:rPr>
               <a:t> </a:t>
             </a:r>
-            <a:endParaRPr sz="2400">
+            <a:endParaRPr sz="1800">
               <a:solidFill>
                 <a:schemeClr val="dk1"/>
               </a:solidFill>

--- a/HarvestSwap_final/HarvestSwap_Slides.pptx
+++ b/HarvestSwap_final/HarvestSwap_Slides.pptx
@@ -14470,7 +14470,7 @@
         </p:nvSpPr>
         <p:spPr>
           <a:xfrm>
-            <a:off x="448965" y="433880"/>
+            <a:off x="408840" y="201180"/>
             <a:ext cx="8246100" cy="739200"/>
           </a:xfrm>
           <a:prstGeom prst="rect">
@@ -14510,8 +14510,8 @@
         </p:nvSpPr>
         <p:spPr>
           <a:xfrm>
-            <a:off x="448966" y="1197405"/>
-            <a:ext cx="8246100" cy="3512100"/>
+            <a:off x="448975" y="883175"/>
+            <a:ext cx="8048700" cy="3017100"/>
           </a:xfrm>
           <a:prstGeom prst="rect">
             <a:avLst/>
@@ -14523,34 +14523,22 @@
           </a:bodyPr>
           <a:lstStyle/>
           <a:p>
-            <a:pPr indent="-355600" lvl="0" marL="457200" rtl="0" algn="l">
+            <a:pPr indent="-311150" lvl="0" marL="457200" rtl="0" algn="l">
               <a:spcBef>
                 <a:spcPts val="560"/>
               </a:spcBef>
               <a:spcAft>
                 <a:spcPts val="0"/>
               </a:spcAft>
-              <a:buSzPts val="2000"/>
+              <a:buSzPts val="1300"/>
               <a:buChar char="•"/>
             </a:pPr>
             <a:r>
-              <a:rPr lang="en-US" sz="2000"/>
+              <a:rPr lang="en-US" sz="1300"/>
               <a:t>Project Plan:</a:t>
             </a:r>
-            <a:endParaRPr sz="2000"/>
-          </a:p>
-          <a:p>
-            <a:pPr indent="0" lvl="0" marL="457200" rtl="0" algn="l">
-              <a:spcBef>
-                <a:spcPts val="560"/>
-              </a:spcBef>
-              <a:spcAft>
-                <a:spcPts val="0"/>
-              </a:spcAft>
-              <a:buNone/>
-            </a:pPr>
             <a:r>
-              <a:rPr lang="en-US" sz="2000" u="sng">
+              <a:rPr lang="en-US" sz="1300" u="sng">
                 <a:solidFill>
                   <a:schemeClr val="hlink"/>
                 </a:solidFill>
@@ -14558,25 +14546,25 @@
               </a:rPr>
               <a:t>https://drive.google.com/file/d/1hmGz1OctKbnjEXZXsoWPTS_BTkHgm290/view?usp=sharing</a:t>
             </a:r>
-            <a:endParaRPr sz="2000"/>
+            <a:endParaRPr sz="1300"/>
           </a:p>
           <a:p>
-            <a:pPr indent="-355600" lvl="0" marL="457200" rtl="0" algn="l">
-              <a:spcBef>
-                <a:spcPts val="560"/>
-              </a:spcBef>
-              <a:spcAft>
-                <a:spcPts val="0"/>
-              </a:spcAft>
-              <a:buSzPts val="2000"/>
+            <a:pPr indent="-311150" lvl="0" marL="457200" rtl="0" algn="l">
+              <a:spcBef>
+                <a:spcPts val="0"/>
+              </a:spcBef>
+              <a:spcAft>
+                <a:spcPts val="0"/>
+              </a:spcAft>
+              <a:buSzPts val="1300"/>
               <a:buChar char="•"/>
             </a:pPr>
             <a:r>
-              <a:rPr lang="en-US" sz="2000"/>
+              <a:rPr lang="en-US" sz="1300"/>
               <a:t>Test Cases: </a:t>
             </a:r>
             <a:r>
-              <a:rPr lang="en-US" sz="2000" u="sng">
+              <a:rPr lang="en-US" sz="1300" u="sng">
                 <a:solidFill>
                   <a:schemeClr val="hlink"/>
                 </a:solidFill>
@@ -14584,24 +14572,115 @@
               </a:rPr>
               <a:t>https://drive.google.com/file/d/13GUEo9fkJb4Adwu46xzEYgp26vMGyjJY/view?usp=sharing</a:t>
             </a:r>
-            <a:endParaRPr sz="2000"/>
+            <a:endParaRPr sz="1300"/>
           </a:p>
           <a:p>
-            <a:pPr indent="-355600" lvl="0" marL="457200" rtl="0" algn="l">
-              <a:spcBef>
-                <a:spcPts val="0"/>
-              </a:spcBef>
-              <a:spcAft>
-                <a:spcPts val="0"/>
-              </a:spcAft>
-              <a:buSzPts val="2000"/>
+            <a:pPr indent="-311150" lvl="0" marL="457200" rtl="0" algn="l">
+              <a:spcBef>
+                <a:spcPts val="0"/>
+              </a:spcBef>
+              <a:spcAft>
+                <a:spcPts val="0"/>
+              </a:spcAft>
+              <a:buSzPts val="1300"/>
               <a:buChar char="•"/>
             </a:pPr>
             <a:r>
-              <a:rPr lang="en-US" sz="2000"/>
-              <a:t>Github Link:</a:t>
+              <a:rPr lang="en-US" sz="1300"/>
+              <a:t>User Stories: </a:t>
             </a:r>
-            <a:endParaRPr sz="2000"/>
+            <a:r>
+              <a:rPr lang="en-US" sz="1300" u="sng">
+                <a:solidFill>
+                  <a:schemeClr val="hlink"/>
+                </a:solidFill>
+                <a:hlinkClick r:id="rId5"/>
+              </a:rPr>
+              <a:t>https://drive.google.com/drive/folders/17ncyDQJEOiTJcn84233MNzxrXryTrZNq?usp=sharing</a:t>
+            </a:r>
+            <a:endParaRPr sz="1300"/>
+          </a:p>
+          <a:p>
+            <a:pPr indent="-311150" lvl="0" marL="457200" rtl="0" algn="l">
+              <a:spcBef>
+                <a:spcPts val="0"/>
+              </a:spcBef>
+              <a:spcAft>
+                <a:spcPts val="0"/>
+              </a:spcAft>
+              <a:buSzPts val="1300"/>
+              <a:buChar char="•"/>
+            </a:pPr>
+            <a:r>
+              <a:rPr lang="en-US" sz="1300"/>
+              <a:t>Trello:</a:t>
+            </a:r>
+            <a:r>
+              <a:rPr lang="en-US" sz="1300" u="sng">
+                <a:solidFill>
+                  <a:schemeClr val="hlink"/>
+                </a:solidFill>
+                <a:hlinkClick r:id="rId6"/>
+              </a:rPr>
+              <a:t>https://trello.com/b/Y3RNBqFl/harvest-swap-sprint-1-21-27-nov</a:t>
+            </a:r>
+            <a:endParaRPr sz="1300"/>
+          </a:p>
+          <a:p>
+            <a:pPr indent="-311150" lvl="0" marL="457200" rtl="0" algn="l">
+              <a:spcBef>
+                <a:spcPts val="0"/>
+              </a:spcBef>
+              <a:spcAft>
+                <a:spcPts val="0"/>
+              </a:spcAft>
+              <a:buSzPts val="1300"/>
+              <a:buChar char="•"/>
+            </a:pPr>
+            <a:r>
+              <a:rPr lang="en-US" sz="1300"/>
+              <a:t>Lucidchart: </a:t>
+            </a:r>
+            <a:r>
+              <a:rPr lang="en-US" sz="1300" u="sng">
+                <a:solidFill>
+                  <a:schemeClr val="hlink"/>
+                </a:solidFill>
+                <a:hlinkClick r:id="rId7"/>
+              </a:rPr>
+              <a:t>https://lucid.app/lucidchart/invitations/accept/384c027c-886a-4bd2-b4d8-9dbb82574458</a:t>
+            </a:r>
+            <a:endParaRPr sz="1300"/>
+          </a:p>
+          <a:p>
+            <a:pPr indent="-311150" lvl="0" marL="457200" rtl="0" algn="l">
+              <a:spcBef>
+                <a:spcPts val="0"/>
+              </a:spcBef>
+              <a:spcAft>
+                <a:spcPts val="0"/>
+              </a:spcAft>
+              <a:buSzPts val="1300"/>
+              <a:buChar char="•"/>
+            </a:pPr>
+            <a:r>
+              <a:rPr lang="en-US" sz="1300"/>
+              <a:t>Github Link: </a:t>
+            </a:r>
+            <a:r>
+              <a:rPr lang="en-US" sz="1300" u="sng">
+                <a:solidFill>
+                  <a:schemeClr val="hlink"/>
+                </a:solidFill>
+                <a:hlinkClick r:id="rId8"/>
+              </a:rPr>
+              <a:t>https://github.com/botlero/HarvestSwap/tree/main/HarvestSwap_final</a:t>
+            </a:r>
+            <a:endParaRPr sz="1300" u="sng">
+              <a:solidFill>
+                <a:schemeClr val="hlink"/>
+              </a:solidFill>
+            </a:endParaRPr>
           </a:p>
           <a:p>
             <a:pPr indent="0" lvl="0" marL="457200" rtl="0" algn="l">
@@ -14614,14 +14693,13 @@
               <a:buNone/>
             </a:pPr>
             <a:r>
-              <a:rPr lang="en-US" sz="2000" u="sng">
-                <a:solidFill>
-                  <a:schemeClr val="hlink"/>
-                </a:solidFill>
-              </a:rPr>
-              <a:t>https://github.com/botlero/HarvestSwap/tree/main/HarvestSwap_final</a:t>
+              <a:t/>
             </a:r>
-            <a:endParaRPr sz="2000"/>
+            <a:endParaRPr sz="1500" u="sng">
+              <a:solidFill>
+                <a:schemeClr val="hlink"/>
+              </a:solidFill>
+            </a:endParaRPr>
           </a:p>
           <a:p>
             <a:pPr indent="0" lvl="0" marL="0" rtl="0" algn="l">
@@ -14758,7 +14836,7 @@
           </a:bodyPr>
           <a:lstStyle/>
           <a:p>
-            <a:pPr indent="-342900" lvl="0" marL="457200" rtl="0" algn="l">
+            <a:pPr indent="-323850" lvl="0" marL="457200" rtl="0" algn="l">
               <a:lnSpc>
                 <a:spcPct val="115000"/>
               </a:lnSpc>
@@ -14771,26 +14849,26 @@
               <a:buClr>
                 <a:schemeClr val="dk1"/>
               </a:buClr>
-              <a:buSzPts val="1800"/>
+              <a:buSzPts val="1500"/>
               <a:buFont typeface="Calibri"/>
               <a:buChar char="•"/>
             </a:pPr>
             <a:r>
-              <a:rPr lang="en-US" sz="1800">
+              <a:rPr lang="en-US" sz="1500">
                 <a:solidFill>
                   <a:schemeClr val="dk1"/>
                 </a:solidFill>
               </a:rPr>
-              <a:t>Ability to edit/delete harvester profile and harvest details.</a:t>
+              <a:t>Using maps to identify harvester location.</a:t>
             </a:r>
-            <a:endParaRPr sz="1800">
+            <a:endParaRPr sz="1500">
               <a:solidFill>
                 <a:schemeClr val="dk1"/>
               </a:solidFill>
             </a:endParaRPr>
           </a:p>
           <a:p>
-            <a:pPr indent="-342900" lvl="0" marL="457200" rtl="0" algn="l">
+            <a:pPr indent="-323850" lvl="0" marL="457200" rtl="0" algn="l">
               <a:lnSpc>
                 <a:spcPct val="115000"/>
               </a:lnSpc>
@@ -14803,26 +14881,26 @@
               <a:buClr>
                 <a:schemeClr val="dk1"/>
               </a:buClr>
-              <a:buSzPts val="1800"/>
+              <a:buSzPts val="1500"/>
               <a:buFont typeface="Calibri"/>
               <a:buChar char="•"/>
             </a:pPr>
             <a:r>
-              <a:rPr lang="en-US" sz="1800">
+              <a:rPr lang="en-US" sz="1500">
                 <a:solidFill>
                   <a:schemeClr val="dk1"/>
                 </a:solidFill>
               </a:rPr>
-              <a:t>Using maps to identify harvester location.</a:t>
+              <a:t>Uploading images directly for harvester profile/harvest.</a:t>
             </a:r>
-            <a:endParaRPr sz="1800">
+            <a:endParaRPr sz="1500">
               <a:solidFill>
                 <a:schemeClr val="dk1"/>
               </a:solidFill>
             </a:endParaRPr>
           </a:p>
           <a:p>
-            <a:pPr indent="-342900" lvl="0" marL="457200" rtl="0" algn="l">
+            <a:pPr indent="-323850" lvl="0" marL="457200" rtl="0" algn="l">
               <a:lnSpc>
                 <a:spcPct val="115000"/>
               </a:lnSpc>
@@ -14835,44 +14913,12 @@
               <a:buClr>
                 <a:schemeClr val="dk1"/>
               </a:buClr>
-              <a:buSzPts val="1800"/>
+              <a:buSzPts val="1500"/>
               <a:buFont typeface="Calibri"/>
               <a:buChar char="•"/>
             </a:pPr>
             <a:r>
-              <a:rPr lang="en-US" sz="1800">
-                <a:solidFill>
-                  <a:schemeClr val="dk1"/>
-                </a:solidFill>
-              </a:rPr>
-              <a:t>Uploading images directly for harvester profile/harvest</a:t>
-            </a:r>
-            <a:endParaRPr sz="1800">
-              <a:solidFill>
-                <a:schemeClr val="dk1"/>
-              </a:solidFill>
-            </a:endParaRPr>
-          </a:p>
-          <a:p>
-            <a:pPr indent="-342900" lvl="0" marL="457200" rtl="0" algn="l">
-              <a:lnSpc>
-                <a:spcPct val="115000"/>
-              </a:lnSpc>
-              <a:spcBef>
-                <a:spcPts val="0"/>
-              </a:spcBef>
-              <a:spcAft>
-                <a:spcPts val="0"/>
-              </a:spcAft>
-              <a:buClr>
-                <a:schemeClr val="dk1"/>
-              </a:buClr>
-              <a:buSzPts val="1800"/>
-              <a:buFont typeface="Calibri"/>
-              <a:buChar char="•"/>
-            </a:pPr>
-            <a:r>
-              <a:rPr lang="en-US" sz="1800">
+              <a:rPr lang="en-US" sz="1500">
                 <a:solidFill>
                   <a:schemeClr val="dk1"/>
                 </a:solidFill>
@@ -14880,7 +14926,7 @@
               <a:t>Blog feature about </a:t>
             </a:r>
             <a:r>
-              <a:rPr lang="en-US" sz="1800">
+              <a:rPr lang="en-US" sz="1500">
                 <a:solidFill>
                   <a:schemeClr val="dk1"/>
                 </a:solidFill>
@@ -14888,21 +14934,21 @@
               <a:t>gardening</a:t>
             </a:r>
             <a:r>
-              <a:rPr lang="en-US" sz="1800">
+              <a:rPr lang="en-US" sz="1500">
                 <a:solidFill>
                   <a:schemeClr val="dk1"/>
                 </a:solidFill>
               </a:rPr>
-              <a:t> related information</a:t>
+              <a:t> related information.</a:t>
             </a:r>
-            <a:endParaRPr sz="1800">
+            <a:endParaRPr sz="1500">
               <a:solidFill>
                 <a:schemeClr val="dk1"/>
               </a:solidFill>
             </a:endParaRPr>
           </a:p>
           <a:p>
-            <a:pPr indent="-342900" lvl="0" marL="457200" marR="0" rtl="0" algn="l">
+            <a:pPr indent="-323850" lvl="0" marL="457200" marR="0" rtl="0" algn="l">
               <a:lnSpc>
                 <a:spcPct val="115000"/>
               </a:lnSpc>
@@ -14915,26 +14961,26 @@
               <a:buClr>
                 <a:schemeClr val="dk1"/>
               </a:buClr>
-              <a:buSzPts val="1800"/>
+              <a:buSzPts val="1500"/>
               <a:buFont typeface="Calibri"/>
               <a:buChar char="•"/>
             </a:pPr>
             <a:r>
-              <a:rPr lang="en-US" sz="1800">
+              <a:rPr lang="en-US" sz="1500">
                 <a:solidFill>
                   <a:schemeClr val="dk1"/>
                 </a:solidFill>
               </a:rPr>
-              <a:t>Recommendation for harvests that one might be interested to see in the future</a:t>
+              <a:t>Recommendation for harvests based on what someone is interested in.</a:t>
             </a:r>
-            <a:endParaRPr sz="1800">
+            <a:endParaRPr sz="1500">
               <a:solidFill>
                 <a:schemeClr val="dk1"/>
               </a:solidFill>
             </a:endParaRPr>
           </a:p>
           <a:p>
-            <a:pPr indent="-342900" lvl="0" marL="457200" rtl="0" algn="l">
+            <a:pPr indent="-323850" lvl="0" marL="457200" rtl="0" algn="l">
               <a:lnSpc>
                 <a:spcPct val="115000"/>
               </a:lnSpc>
@@ -14947,26 +14993,26 @@
               <a:buClr>
                 <a:schemeClr val="dk1"/>
               </a:buClr>
-              <a:buSzPts val="1800"/>
+              <a:buSzPts val="1500"/>
               <a:buFont typeface="Calibri"/>
               <a:buChar char="•"/>
             </a:pPr>
             <a:r>
-              <a:rPr lang="en-US" sz="1800">
+              <a:rPr lang="en-US" sz="1500">
                 <a:solidFill>
                   <a:schemeClr val="dk1"/>
                 </a:solidFill>
               </a:rPr>
-              <a:t>Option to add review for a harvester/harvest</a:t>
+              <a:t>Option to add review for a harvester/harvest.</a:t>
             </a:r>
-            <a:endParaRPr sz="1800">
+            <a:endParaRPr sz="1500">
               <a:solidFill>
                 <a:schemeClr val="dk1"/>
               </a:solidFill>
             </a:endParaRPr>
           </a:p>
           <a:p>
-            <a:pPr indent="-342900" lvl="0" marL="457200" rtl="0" algn="l">
+            <a:pPr indent="-323850" lvl="0" marL="457200" rtl="0" algn="l">
               <a:lnSpc>
                 <a:spcPct val="115000"/>
               </a:lnSpc>
@@ -14979,20 +15025,20 @@
               <a:buClr>
                 <a:schemeClr val="dk1"/>
               </a:buClr>
-              <a:buSzPts val="1800"/>
+              <a:buSzPts val="1500"/>
               <a:buFont typeface="Calibri"/>
               <a:buChar char="•"/>
             </a:pPr>
             <a:r>
-              <a:rPr lang="en-US" sz="1800">
+              <a:rPr lang="en-US" sz="1500">
                 <a:solidFill>
                   <a:schemeClr val="dk1"/>
                 </a:solidFill>
               </a:rPr>
-              <a:t>Enhancement on harvester communication by implementing an internal module to contact harvester within the application.</a:t>
+              <a:t>Enhancement on harvester communication by implementing an internal module. to contact harvester within the application.</a:t>
             </a:r>
             <a:r>
-              <a:rPr lang="en-US" sz="1800">
+              <a:rPr lang="en-US" sz="1500">
                 <a:solidFill>
                   <a:schemeClr val="dk1"/>
                 </a:solidFill>
@@ -15003,7 +15049,7 @@
               </a:rPr>
               <a:t> </a:t>
             </a:r>
-            <a:endParaRPr sz="1800">
+            <a:endParaRPr sz="1500">
               <a:solidFill>
                 <a:schemeClr val="dk1"/>
               </a:solidFill>
@@ -15011,6 +15057,38 @@
               <a:ea typeface="Arial"/>
               <a:cs typeface="Arial"/>
               <a:sym typeface="Arial"/>
+            </a:endParaRPr>
+          </a:p>
+          <a:p>
+            <a:pPr indent="-323850" lvl="0" marL="457200" marR="0" rtl="0" algn="l">
+              <a:lnSpc>
+                <a:spcPct val="115000"/>
+              </a:lnSpc>
+              <a:spcBef>
+                <a:spcPts val="0"/>
+              </a:spcBef>
+              <a:spcAft>
+                <a:spcPts val="0"/>
+              </a:spcAft>
+              <a:buClr>
+                <a:schemeClr val="dk1"/>
+              </a:buClr>
+              <a:buSzPts val="1500"/>
+              <a:buFont typeface="Calibri"/>
+              <a:buChar char="•"/>
+            </a:pPr>
+            <a:r>
+              <a:rPr lang="en-US" sz="1500">
+                <a:solidFill>
+                  <a:schemeClr val="dk1"/>
+                </a:solidFill>
+              </a:rPr>
+              <a:t>Ability to edit/delete harvester profile and harvest details.</a:t>
+            </a:r>
+            <a:endParaRPr sz="1500">
+              <a:solidFill>
+                <a:schemeClr val="dk1"/>
+              </a:solidFill>
             </a:endParaRPr>
           </a:p>
           <a:p>
